--- a/lec00-course_intro/lec00-unix_course_intro.pptx
+++ b/lec00-course_intro/lec00-unix_course_intro.pptx
@@ -6254,13 +6254,8 @@
             </a:pPr>
             <a:r>
               <a:rPr lang="en-US" altLang="zh-TW" sz="2400" dirty="0" smtClean="0"/>
-              <a:t>use the embedded system LAB (dual-boot w/ </a:t>
-            </a:r>
-            <a:r>
-              <a:rPr lang="en-US" altLang="zh-TW" sz="2400" dirty="0" smtClean="0"/>
-              <a:t>Fedora)</a:t>
-            </a:r>
-            <a:endParaRPr lang="en-US" altLang="zh-TW" sz="2400" dirty="0" smtClean="0"/>
+              <a:t>use the embedded system LAB (dual-boot w/ Fedora)</a:t>
+            </a:r>
           </a:p>
           <a:p>
             <a:pPr lvl="1" eaLnBrk="1" hangingPunct="1">
@@ -6793,10 +6788,31 @@
           <a:bodyPr/>
           <a:lstStyle/>
           <a:p>
-            <a:pPr eaLnBrk="1" hangingPunct="1">
-              <a:buFont typeface="Wingdings" panose="05000000000000000000" pitchFamily="2" charset="2"/>
-              <a:buNone/>
-            </a:pPr>
+            <a:pPr eaLnBrk="1" hangingPunct="1"/>
+            <a:endParaRPr lang="en-US" altLang="zh-TW" sz="2800" dirty="0" smtClean="0"/>
+          </a:p>
+          <a:p>
+            <a:pPr eaLnBrk="1" hangingPunct="1"/>
+            <a:endParaRPr lang="en-US" altLang="zh-TW" sz="2800" dirty="0"/>
+          </a:p>
+          <a:p>
+            <a:pPr eaLnBrk="1" hangingPunct="1"/>
+            <a:r>
+              <a:rPr lang="en-US" altLang="zh-TW" sz="2800" dirty="0">
+                <a:hlinkClick r:id="rId2"/>
+              </a:rPr>
+              <a:t>https://</a:t>
+            </a:r>
+            <a:r>
+              <a:rPr lang="en-US" altLang="zh-TW" sz="2800" dirty="0" smtClean="0">
+                <a:hlinkClick r:id="rId2"/>
+              </a:rPr>
+              <a:t>github.com/CGUSystemCourses/Unix-2017</a:t>
+            </a:r>
+            <a:r>
+              <a:rPr lang="en-US" altLang="zh-TW" sz="2800" dirty="0" smtClean="0"/>
+              <a:t> </a:t>
+            </a:r>
             <a:endParaRPr lang="en-US" altLang="zh-TW" sz="2800" dirty="0" smtClean="0"/>
           </a:p>
         </p:txBody>
@@ -6882,30 +6898,29 @@
               </a:lnSpc>
             </a:pPr>
             <a:r>
-              <a:rPr lang="en-US" altLang="zh-TW" sz="2400" dirty="0" smtClean="0"/>
+              <a:rPr lang="en-US" altLang="zh-TW" sz="2000" dirty="0" smtClean="0"/>
               <a:t>W. R. Stevens and S. A. </a:t>
             </a:r>
             <a:r>
-              <a:rPr lang="en-US" altLang="zh-TW" sz="2400" dirty="0" err="1" smtClean="0"/>
+              <a:rPr lang="en-US" altLang="zh-TW" sz="2000" dirty="0" err="1" smtClean="0"/>
               <a:t>Rago</a:t>
             </a:r>
             <a:r>
-              <a:rPr lang="en-US" altLang="zh-TW" sz="2400" dirty="0" smtClean="0"/>
+              <a:rPr lang="en-US" altLang="zh-TW" sz="2000" dirty="0" smtClean="0"/>
               <a:t>, </a:t>
             </a:r>
             <a:r>
-              <a:rPr lang="en-US" altLang="zh-TW" sz="2400" i="1" dirty="0" smtClean="0"/>
+              <a:rPr lang="en-US" altLang="zh-TW" sz="2000" i="1" dirty="0" smtClean="0"/>
               <a:t>Advanced Programming in the UNIX Environment</a:t>
             </a:r>
             <a:r>
-              <a:rPr lang="en-US" altLang="zh-TW" sz="2400" dirty="0" smtClean="0"/>
+              <a:rPr lang="en-US" altLang="zh-TW" sz="2000" dirty="0" smtClean="0"/>
               <a:t>, 2ed, Addison Wesley </a:t>
             </a:r>
             <a:r>
-              <a:rPr lang="en-US" altLang="zh-TW" sz="2400" dirty="0" smtClean="0"/>
+              <a:rPr lang="en-US" altLang="zh-TW" sz="2000" dirty="0" smtClean="0"/>
               <a:t>2005</a:t>
             </a:r>
-            <a:endParaRPr lang="en-US" altLang="zh-TW" sz="2400" dirty="0" smtClean="0"/>
           </a:p>
           <a:p>
             <a:pPr eaLnBrk="1" hangingPunct="1">
@@ -6913,24 +6928,32 @@
                 <a:spcPct val="80000"/>
               </a:lnSpc>
             </a:pPr>
-            <a:r>
-              <a:rPr lang="en-US" altLang="zh-TW" sz="2400" dirty="0" smtClean="0"/>
+            <a:endParaRPr lang="en-US" altLang="zh-TW" sz="2000" dirty="0" smtClean="0"/>
+          </a:p>
+          <a:p>
+            <a:pPr eaLnBrk="1" hangingPunct="1">
+              <a:lnSpc>
+                <a:spcPct val="80000"/>
+              </a:lnSpc>
+            </a:pPr>
+            <a:r>
+              <a:rPr lang="en-US" altLang="zh-TW" sz="2000" dirty="0" smtClean="0"/>
               <a:t>A. </a:t>
             </a:r>
             <a:r>
-              <a:rPr lang="en-US" altLang="zh-TW" sz="2400" dirty="0" err="1" smtClean="0"/>
+              <a:rPr lang="en-US" altLang="zh-TW" sz="2000" dirty="0" err="1" smtClean="0"/>
               <a:t>Silberschatz</a:t>
             </a:r>
             <a:r>
-              <a:rPr lang="en-US" altLang="zh-TW" sz="2400" dirty="0" smtClean="0"/>
+              <a:rPr lang="en-US" altLang="zh-TW" sz="2000" dirty="0" smtClean="0"/>
               <a:t>, P. B. Galvin, and G. Gagne, “Operating System Principles,” 7/e, Jon </a:t>
             </a:r>
             <a:r>
-              <a:rPr lang="en-US" altLang="zh-TW" sz="2400" dirty="0" err="1" smtClean="0"/>
+              <a:rPr lang="en-US" altLang="zh-TW" sz="2000" dirty="0" err="1" smtClean="0"/>
               <a:t>Wilely</a:t>
             </a:r>
             <a:r>
-              <a:rPr lang="en-US" altLang="zh-TW" sz="2400" dirty="0" smtClean="0"/>
+              <a:rPr lang="en-US" altLang="zh-TW" sz="2000" dirty="0" smtClean="0"/>
               <a:t> &amp; Sons, 2006</a:t>
             </a:r>
           </a:p>
@@ -6941,7 +6964,7 @@
               </a:lnSpc>
             </a:pPr>
             <a:r>
-              <a:rPr lang="en-US" altLang="zh-TW" sz="2000" dirty="0" smtClean="0">
+              <a:rPr lang="en-US" altLang="zh-TW" sz="1800" dirty="0" smtClean="0">
                 <a:solidFill>
                   <a:schemeClr val="hlink"/>
                 </a:solidFill>
@@ -6949,14 +6972,21 @@
               <a:t>your OS textbook</a:t>
             </a:r>
             <a:r>
-              <a:rPr lang="en-US" altLang="zh-TW" sz="2000" dirty="0" smtClean="0">
+              <a:rPr lang="en-US" altLang="zh-TW" sz="1800" dirty="0" smtClean="0">
                 <a:solidFill>
                   <a:schemeClr val="hlink"/>
                 </a:solidFill>
               </a:rPr>
               <a:t>!</a:t>
             </a:r>
-            <a:endParaRPr lang="en-US" altLang="zh-TW" sz="2400" dirty="0" smtClean="0"/>
+          </a:p>
+          <a:p>
+            <a:pPr lvl="1" eaLnBrk="1" hangingPunct="1">
+              <a:lnSpc>
+                <a:spcPct val="80000"/>
+              </a:lnSpc>
+            </a:pPr>
+            <a:endParaRPr lang="en-US" altLang="zh-TW" sz="2000" dirty="0" smtClean="0"/>
           </a:p>
           <a:p>
             <a:pPr eaLnBrk="1" hangingPunct="1">
@@ -6965,26 +6995,29 @@
               </a:lnSpc>
             </a:pPr>
             <a:r>
-              <a:rPr lang="en-US" altLang="zh-TW" sz="2400" dirty="0" smtClean="0"/>
+              <a:rPr lang="en-US" altLang="zh-TW" sz="2000" dirty="0" smtClean="0"/>
               <a:t>Michael </a:t>
             </a:r>
             <a:r>
-              <a:rPr lang="en-US" altLang="zh-TW" sz="2400" dirty="0" err="1" smtClean="0"/>
+              <a:rPr lang="en-US" altLang="zh-TW" sz="2000" dirty="0" err="1" smtClean="0"/>
               <a:t>Kerrisk</a:t>
             </a:r>
             <a:r>
-              <a:rPr lang="en-US" altLang="zh-TW" sz="2400" dirty="0" smtClean="0"/>
+              <a:rPr lang="en-US" altLang="zh-TW" sz="2000" dirty="0" smtClean="0"/>
               <a:t>, </a:t>
             </a:r>
             <a:r>
-              <a:rPr lang="en-US" altLang="zh-TW" sz="2400" i="1" dirty="0" smtClean="0"/>
+              <a:rPr lang="en-US" altLang="zh-TW" sz="2000" i="1" dirty="0" smtClean="0"/>
               <a:t>Linux Programming Interface: A Linux and Unix System Programming Handbook</a:t>
             </a:r>
             <a:r>
-              <a:rPr lang="en-US" altLang="zh-TW" sz="2400" dirty="0" smtClean="0"/>
-              <a:t>, No Starch Press, 2011.</a:t>
-            </a:r>
-            <a:endParaRPr lang="en-US" altLang="zh-TW" sz="2400" dirty="0" smtClean="0"/>
+              <a:rPr lang="en-US" altLang="zh-TW" sz="2000" dirty="0" smtClean="0"/>
+              <a:t>, No Starch Press, 2011</a:t>
+            </a:r>
+            <a:r>
+              <a:rPr lang="en-US" altLang="zh-TW" sz="2000" dirty="0" smtClean="0"/>
+              <a:t>.</a:t>
+            </a:r>
           </a:p>
           <a:p>
             <a:pPr eaLnBrk="1" hangingPunct="1">
@@ -6992,35 +7025,7 @@
                 <a:spcPct val="80000"/>
               </a:lnSpc>
             </a:pPr>
-            <a:r>
-              <a:rPr lang="en-US" altLang="zh-TW" sz="2400" dirty="0"/>
-              <a:t>Brian Ward, </a:t>
-            </a:r>
-            <a:r>
-              <a:rPr lang="en-US" altLang="zh-TW" sz="2400" i="1" dirty="0"/>
-              <a:t>How Linux </a:t>
-            </a:r>
-            <a:r>
-              <a:rPr lang="en-US" altLang="zh-TW" sz="2400" i="1" dirty="0" smtClean="0"/>
-              <a:t>Works: </a:t>
-            </a:r>
-            <a:r>
-              <a:rPr lang="en-US" altLang="zh-TW" sz="2400" i="1" dirty="0"/>
-              <a:t>What Every </a:t>
-            </a:r>
-            <a:r>
-              <a:rPr lang="en-US" altLang="zh-TW" sz="2400" i="1" dirty="0" err="1"/>
-              <a:t>Superuser</a:t>
-            </a:r>
-            <a:r>
-              <a:rPr lang="en-US" altLang="zh-TW" sz="2400" i="1" dirty="0"/>
-              <a:t> Should </a:t>
-            </a:r>
-            <a:r>
-              <a:rPr lang="en-US" altLang="zh-TW" sz="2400" i="1" dirty="0" smtClean="0"/>
-              <a:t>Know</a:t>
-            </a:r>
-            <a:endParaRPr lang="en-US" altLang="zh-TW" sz="2400" dirty="0"/>
+            <a:endParaRPr lang="en-US" altLang="zh-TW" sz="2000" dirty="0" smtClean="0"/>
           </a:p>
           <a:p>
             <a:pPr eaLnBrk="1" hangingPunct="1">
@@ -7029,12 +7034,51 @@
               </a:lnSpc>
             </a:pPr>
             <a:r>
-              <a:rPr lang="en-US" altLang="zh-TW" sz="2400" dirty="0" smtClean="0"/>
-              <a:t>“</a:t>
-            </a:r>
-            <a:r>
-              <a:rPr lang="en-US" altLang="zh-TW" sz="2400" dirty="0" smtClean="0"/>
-              <a:t>man” and “info” of UNIX</a:t>
+              <a:rPr lang="en-US" altLang="zh-TW" sz="2000" dirty="0"/>
+              <a:t>Brian Ward, </a:t>
+            </a:r>
+            <a:r>
+              <a:rPr lang="en-US" altLang="zh-TW" sz="2000" i="1" dirty="0"/>
+              <a:t>How Linux </a:t>
+            </a:r>
+            <a:r>
+              <a:rPr lang="en-US" altLang="zh-TW" sz="2000" i="1" dirty="0" smtClean="0"/>
+              <a:t>Works: </a:t>
+            </a:r>
+            <a:r>
+              <a:rPr lang="en-US" altLang="zh-TW" sz="2000" i="1" dirty="0"/>
+              <a:t>What Every </a:t>
+            </a:r>
+            <a:r>
+              <a:rPr lang="en-US" altLang="zh-TW" sz="2000" i="1" dirty="0" err="1"/>
+              <a:t>Superuser</a:t>
+            </a:r>
+            <a:r>
+              <a:rPr lang="en-US" altLang="zh-TW" sz="2000" i="1" dirty="0"/>
+              <a:t> Should </a:t>
+            </a:r>
+            <a:r>
+              <a:rPr lang="en-US" altLang="zh-TW" sz="2000" i="1" dirty="0" smtClean="0"/>
+              <a:t>Know</a:t>
+            </a:r>
+          </a:p>
+          <a:p>
+            <a:pPr eaLnBrk="1" hangingPunct="1">
+              <a:lnSpc>
+                <a:spcPct val="80000"/>
+              </a:lnSpc>
+            </a:pPr>
+            <a:endParaRPr lang="en-US" altLang="zh-TW" sz="2000" dirty="0"/>
+          </a:p>
+          <a:p>
+            <a:pPr eaLnBrk="1" hangingPunct="1">
+              <a:lnSpc>
+                <a:spcPct val="80000"/>
+              </a:lnSpc>
+            </a:pPr>
+            <a:r>
+              <a:rPr lang="en-US" altLang="zh-TW" sz="2000" dirty="0" smtClean="0"/>
+              <a:t>“man” and “info” of UNIX</a:t>
             </a:r>
           </a:p>
         </p:txBody>
@@ -7111,42 +7155,50 @@
           <a:p>
             <a:pPr eaLnBrk="1" hangingPunct="1"/>
             <a:r>
-              <a:rPr lang="en-US" altLang="zh-TW" smtClean="0"/>
+              <a:rPr lang="en-US" altLang="zh-TW" dirty="0" smtClean="0"/>
               <a:t>Homework: 60%</a:t>
             </a:r>
           </a:p>
           <a:p>
             <a:pPr lvl="1" eaLnBrk="1" hangingPunct="1"/>
             <a:r>
-              <a:rPr lang="en-US" altLang="zh-TW" smtClean="0"/>
-              <a:t>8 program assignments expected</a:t>
+              <a:rPr lang="en-US" altLang="zh-TW" dirty="0"/>
+              <a:t>5</a:t>
+            </a:r>
+            <a:r>
+              <a:rPr lang="en-US" altLang="zh-TW" dirty="0" smtClean="0"/>
+              <a:t> </a:t>
+            </a:r>
+            <a:r>
+              <a:rPr lang="en-US" altLang="zh-TW" dirty="0" smtClean="0"/>
+              <a:t>program assignments expected</a:t>
             </a:r>
           </a:p>
           <a:p>
             <a:pPr lvl="1" eaLnBrk="1" hangingPunct="1"/>
             <a:r>
-              <a:rPr lang="en-US" altLang="zh-TW" smtClean="0"/>
+              <a:rPr lang="en-US" altLang="zh-TW" dirty="0" smtClean="0"/>
               <a:t>e.g. shell, parallel matrix multiplication</a:t>
             </a:r>
           </a:p>
           <a:p>
             <a:pPr eaLnBrk="1" hangingPunct="1"/>
             <a:r>
-              <a:rPr lang="en-US" altLang="zh-TW" smtClean="0"/>
+              <a:rPr lang="en-US" altLang="zh-TW" dirty="0" smtClean="0"/>
               <a:t>Project: 40%</a:t>
             </a:r>
           </a:p>
           <a:p>
             <a:pPr lvl="1" eaLnBrk="1" hangingPunct="1"/>
             <a:r>
-              <a:rPr lang="en-US" altLang="zh-TW" smtClean="0"/>
+              <a:rPr lang="en-US" altLang="zh-TW" dirty="0" smtClean="0"/>
               <a:t>do what you feel interested</a:t>
             </a:r>
           </a:p>
           <a:p>
             <a:pPr lvl="1" eaLnBrk="1" hangingPunct="1"/>
             <a:r>
-              <a:rPr lang="en-US" altLang="zh-TW" smtClean="0"/>
+              <a:rPr lang="en-US" altLang="zh-TW" dirty="0" smtClean="0"/>
               <a:t>e.g. network messenger like MSN</a:t>
             </a:r>
           </a:p>
@@ -7239,13 +7291,8 @@
             <a:pPr lvl="1" eaLnBrk="1" hangingPunct="1"/>
             <a:r>
               <a:rPr lang="en-US" altLang="zh-TW" dirty="0" smtClean="0"/>
-              <a:t>my laptop: Fedora Core </a:t>
-            </a:r>
-            <a:r>
-              <a:rPr lang="en-US" altLang="zh-TW" dirty="0" smtClean="0"/>
-              <a:t>20</a:t>
-            </a:r>
-            <a:endParaRPr lang="en-US" altLang="zh-TW" dirty="0" smtClean="0"/>
+              <a:t>my laptop: Fedora Core 20</a:t>
+            </a:r>
           </a:p>
           <a:p>
             <a:pPr eaLnBrk="1" hangingPunct="1"/>
